--- a/study-note/2022-07-15 내용정리.pptx
+++ b/study-note/2022-07-15 내용정리.pptx
@@ -9,6 +9,7 @@
     <p:sldId id="258" r:id="rId3"/>
     <p:sldId id="259" r:id="rId4"/>
     <p:sldId id="260" r:id="rId5"/>
+    <p:sldId id="261" r:id="rId6"/>
   </p:sldIdLst>
   <p:sldSz cx="12192000" cy="6858000"/>
   <p:notesSz cx="6858000" cy="9144000"/>
@@ -5467,6 +5468,1180 @@
 </p:sld>
 </file>
 
+<file path=ppt/slides/slide5.xml><?xml version="1.0" encoding="utf-8"?>
+<p:sld xmlns:a="http://schemas.openxmlformats.org/drawingml/2006/main" xmlns:r="http://schemas.openxmlformats.org/officeDocument/2006/relationships" xmlns:p="http://schemas.openxmlformats.org/presentationml/2006/main">
+  <p:cSld>
+    <p:spTree>
+      <p:nvGrpSpPr>
+        <p:cNvPr id="1" name=""/>
+        <p:cNvGrpSpPr/>
+        <p:nvPr/>
+      </p:nvGrpSpPr>
+      <p:grpSpPr>
+        <a:xfrm>
+          <a:off x="0" y="0"/>
+          <a:ext cx="0" cy="0"/>
+          <a:chOff x="0" y="0"/>
+          <a:chExt cx="0" cy="0"/>
+        </a:xfrm>
+      </p:grpSpPr>
+      <p:graphicFrame>
+        <p:nvGraphicFramePr>
+          <p:cNvPr id="4" name="표 4">
+            <a:extLst>
+              <a:ext uri="{FF2B5EF4-FFF2-40B4-BE49-F238E27FC236}">
+                <a16:creationId xmlns:a16="http://schemas.microsoft.com/office/drawing/2014/main" id="{FA35ADED-1C9C-C06C-4B22-248F8C91429D}"/>
+              </a:ext>
+            </a:extLst>
+          </p:cNvPr>
+          <p:cNvGraphicFramePr>
+            <a:graphicFrameLocks noGrp="1"/>
+          </p:cNvGraphicFramePr>
+          <p:nvPr>
+            <p:extLst>
+              <p:ext uri="{D42A27DB-BD31-4B8C-83A1-F6EECF244321}">
+                <p14:modId xmlns:p14="http://schemas.microsoft.com/office/powerpoint/2010/main" val="670749579"/>
+              </p:ext>
+            </p:extLst>
+          </p:nvPr>
+        </p:nvGraphicFramePr>
+        <p:xfrm>
+          <a:off x="2031999" y="719666"/>
+          <a:ext cx="9419768" cy="5418672"/>
+        </p:xfrm>
+        <a:graphic>
+          <a:graphicData uri="http://schemas.openxmlformats.org/drawingml/2006/table">
+            <a:tbl>
+              <a:tblPr firstRow="1" bandRow="1">
+                <a:tableStyleId>{5C22544A-7EE6-4342-B048-85BDC9FD1C3A}</a:tableStyleId>
+              </a:tblPr>
+              <a:tblGrid>
+                <a:gridCol w="1177471">
+                  <a:extLst>
+                    <a:ext uri="{9D8B030D-6E8A-4147-A177-3AD203B41FA5}">
+                      <a16:colId xmlns:a16="http://schemas.microsoft.com/office/drawing/2014/main" val="1500894107"/>
+                    </a:ext>
+                  </a:extLst>
+                </a:gridCol>
+                <a:gridCol w="1177471">
+                  <a:extLst>
+                    <a:ext uri="{9D8B030D-6E8A-4147-A177-3AD203B41FA5}">
+                      <a16:colId xmlns:a16="http://schemas.microsoft.com/office/drawing/2014/main" val="3157700673"/>
+                    </a:ext>
+                  </a:extLst>
+                </a:gridCol>
+                <a:gridCol w="1177471">
+                  <a:extLst>
+                    <a:ext uri="{9D8B030D-6E8A-4147-A177-3AD203B41FA5}">
+                      <a16:colId xmlns:a16="http://schemas.microsoft.com/office/drawing/2014/main" val="573450671"/>
+                    </a:ext>
+                  </a:extLst>
+                </a:gridCol>
+                <a:gridCol w="1177471">
+                  <a:extLst>
+                    <a:ext uri="{9D8B030D-6E8A-4147-A177-3AD203B41FA5}">
+                      <a16:colId xmlns:a16="http://schemas.microsoft.com/office/drawing/2014/main" val="3324881451"/>
+                    </a:ext>
+                  </a:extLst>
+                </a:gridCol>
+                <a:gridCol w="1177471">
+                  <a:extLst>
+                    <a:ext uri="{9D8B030D-6E8A-4147-A177-3AD203B41FA5}">
+                      <a16:colId xmlns:a16="http://schemas.microsoft.com/office/drawing/2014/main" val="232972833"/>
+                    </a:ext>
+                  </a:extLst>
+                </a:gridCol>
+                <a:gridCol w="1177471">
+                  <a:extLst>
+                    <a:ext uri="{9D8B030D-6E8A-4147-A177-3AD203B41FA5}">
+                      <a16:colId xmlns:a16="http://schemas.microsoft.com/office/drawing/2014/main" val="3613781057"/>
+                    </a:ext>
+                  </a:extLst>
+                </a:gridCol>
+                <a:gridCol w="1177471">
+                  <a:extLst>
+                    <a:ext uri="{9D8B030D-6E8A-4147-A177-3AD203B41FA5}">
+                      <a16:colId xmlns:a16="http://schemas.microsoft.com/office/drawing/2014/main" val="2468401139"/>
+                    </a:ext>
+                  </a:extLst>
+                </a:gridCol>
+                <a:gridCol w="1177471">
+                  <a:extLst>
+                    <a:ext uri="{9D8B030D-6E8A-4147-A177-3AD203B41FA5}">
+                      <a16:colId xmlns:a16="http://schemas.microsoft.com/office/drawing/2014/main" val="3528281780"/>
+                    </a:ext>
+                  </a:extLst>
+                </a:gridCol>
+              </a:tblGrid>
+              <a:tr h="677334">
+                <a:tc>
+                  <a:txBody>
+                    <a:bodyPr/>
+                    <a:lstStyle/>
+                    <a:p>
+                      <a:pPr latinLnBrk="1"/>
+                      <a:endParaRPr lang="ko-KR" altLang="en-US"/>
+                    </a:p>
+                  </a:txBody>
+                  <a:tcPr/>
+                </a:tc>
+                <a:tc>
+                  <a:txBody>
+                    <a:bodyPr/>
+                    <a:lstStyle/>
+                    <a:p>
+                      <a:pPr latinLnBrk="1"/>
+                      <a:endParaRPr lang="ko-KR" altLang="en-US"/>
+                    </a:p>
+                  </a:txBody>
+                  <a:tcPr/>
+                </a:tc>
+                <a:tc>
+                  <a:txBody>
+                    <a:bodyPr/>
+                    <a:lstStyle/>
+                    <a:p>
+                      <a:pPr latinLnBrk="1"/>
+                      <a:endParaRPr lang="ko-KR" altLang="en-US"/>
+                    </a:p>
+                  </a:txBody>
+                  <a:tcPr/>
+                </a:tc>
+                <a:tc>
+                  <a:txBody>
+                    <a:bodyPr/>
+                    <a:lstStyle/>
+                    <a:p>
+                      <a:pPr latinLnBrk="1"/>
+                      <a:endParaRPr lang="ko-KR" altLang="en-US"/>
+                    </a:p>
+                  </a:txBody>
+                  <a:tcPr/>
+                </a:tc>
+                <a:tc>
+                  <a:txBody>
+                    <a:bodyPr/>
+                    <a:lstStyle/>
+                    <a:p>
+                      <a:pPr latinLnBrk="1"/>
+                      <a:endParaRPr lang="ko-KR" altLang="en-US"/>
+                    </a:p>
+                  </a:txBody>
+                  <a:tcPr/>
+                </a:tc>
+                <a:tc>
+                  <a:txBody>
+                    <a:bodyPr/>
+                    <a:lstStyle/>
+                    <a:p>
+                      <a:pPr latinLnBrk="1"/>
+                      <a:endParaRPr lang="ko-KR" altLang="en-US"/>
+                    </a:p>
+                  </a:txBody>
+                  <a:tcPr/>
+                </a:tc>
+                <a:tc>
+                  <a:txBody>
+                    <a:bodyPr/>
+                    <a:lstStyle/>
+                    <a:p>
+                      <a:pPr latinLnBrk="1"/>
+                      <a:endParaRPr lang="ko-KR" altLang="en-US"/>
+                    </a:p>
+                  </a:txBody>
+                  <a:tcPr/>
+                </a:tc>
+                <a:tc>
+                  <a:txBody>
+                    <a:bodyPr/>
+                    <a:lstStyle/>
+                    <a:p>
+                      <a:pPr latinLnBrk="1"/>
+                      <a:endParaRPr lang="ko-KR" altLang="en-US"/>
+                    </a:p>
+                  </a:txBody>
+                  <a:tcPr/>
+                </a:tc>
+                <a:extLst>
+                  <a:ext uri="{0D108BD9-81ED-4DB2-BD59-A6C34878D82A}">
+                    <a16:rowId xmlns:a16="http://schemas.microsoft.com/office/drawing/2014/main" val="3985383570"/>
+                  </a:ext>
+                </a:extLst>
+              </a:tr>
+              <a:tr h="677334">
+                <a:tc>
+                  <a:txBody>
+                    <a:bodyPr/>
+                    <a:lstStyle/>
+                    <a:p>
+                      <a:pPr latinLnBrk="1"/>
+                      <a:endParaRPr lang="ko-KR" altLang="en-US"/>
+                    </a:p>
+                  </a:txBody>
+                  <a:tcPr/>
+                </a:tc>
+                <a:tc>
+                  <a:txBody>
+                    <a:bodyPr/>
+                    <a:lstStyle/>
+                    <a:p>
+                      <a:pPr latinLnBrk="1"/>
+                      <a:endParaRPr lang="ko-KR" altLang="en-US"/>
+                    </a:p>
+                  </a:txBody>
+                  <a:tcPr/>
+                </a:tc>
+                <a:tc>
+                  <a:txBody>
+                    <a:bodyPr/>
+                    <a:lstStyle/>
+                    <a:p>
+                      <a:pPr latinLnBrk="1"/>
+                      <a:endParaRPr lang="ko-KR" altLang="en-US"/>
+                    </a:p>
+                  </a:txBody>
+                  <a:tcPr/>
+                </a:tc>
+                <a:tc>
+                  <a:txBody>
+                    <a:bodyPr/>
+                    <a:lstStyle/>
+                    <a:p>
+                      <a:pPr latinLnBrk="1"/>
+                      <a:endParaRPr lang="ko-KR" altLang="en-US"/>
+                    </a:p>
+                  </a:txBody>
+                  <a:tcPr/>
+                </a:tc>
+                <a:tc>
+                  <a:txBody>
+                    <a:bodyPr/>
+                    <a:lstStyle/>
+                    <a:p>
+                      <a:pPr latinLnBrk="1"/>
+                      <a:endParaRPr lang="ko-KR" altLang="en-US"/>
+                    </a:p>
+                  </a:txBody>
+                  <a:tcPr/>
+                </a:tc>
+                <a:tc>
+                  <a:txBody>
+                    <a:bodyPr/>
+                    <a:lstStyle/>
+                    <a:p>
+                      <a:pPr latinLnBrk="1"/>
+                      <a:endParaRPr lang="ko-KR" altLang="en-US"/>
+                    </a:p>
+                  </a:txBody>
+                  <a:tcPr/>
+                </a:tc>
+                <a:tc>
+                  <a:txBody>
+                    <a:bodyPr/>
+                    <a:lstStyle/>
+                    <a:p>
+                      <a:pPr latinLnBrk="1"/>
+                      <a:endParaRPr lang="ko-KR" altLang="en-US"/>
+                    </a:p>
+                  </a:txBody>
+                  <a:tcPr/>
+                </a:tc>
+                <a:tc>
+                  <a:txBody>
+                    <a:bodyPr/>
+                    <a:lstStyle/>
+                    <a:p>
+                      <a:pPr latinLnBrk="1"/>
+                      <a:endParaRPr lang="ko-KR" altLang="en-US"/>
+                    </a:p>
+                  </a:txBody>
+                  <a:tcPr/>
+                </a:tc>
+                <a:extLst>
+                  <a:ext uri="{0D108BD9-81ED-4DB2-BD59-A6C34878D82A}">
+                    <a16:rowId xmlns:a16="http://schemas.microsoft.com/office/drawing/2014/main" val="3339263221"/>
+                  </a:ext>
+                </a:extLst>
+              </a:tr>
+              <a:tr h="677334">
+                <a:tc>
+                  <a:txBody>
+                    <a:bodyPr/>
+                    <a:lstStyle/>
+                    <a:p>
+                      <a:pPr latinLnBrk="1"/>
+                      <a:endParaRPr lang="ko-KR" altLang="en-US"/>
+                    </a:p>
+                  </a:txBody>
+                  <a:tcPr/>
+                </a:tc>
+                <a:tc>
+                  <a:txBody>
+                    <a:bodyPr/>
+                    <a:lstStyle/>
+                    <a:p>
+                      <a:pPr latinLnBrk="1"/>
+                      <a:endParaRPr lang="ko-KR" altLang="en-US"/>
+                    </a:p>
+                  </a:txBody>
+                  <a:tcPr/>
+                </a:tc>
+                <a:tc>
+                  <a:txBody>
+                    <a:bodyPr/>
+                    <a:lstStyle/>
+                    <a:p>
+                      <a:pPr latinLnBrk="1"/>
+                      <a:endParaRPr lang="ko-KR" altLang="en-US"/>
+                    </a:p>
+                  </a:txBody>
+                  <a:tcPr/>
+                </a:tc>
+                <a:tc>
+                  <a:txBody>
+                    <a:bodyPr/>
+                    <a:lstStyle/>
+                    <a:p>
+                      <a:pPr latinLnBrk="1"/>
+                      <a:endParaRPr lang="ko-KR" altLang="en-US"/>
+                    </a:p>
+                  </a:txBody>
+                  <a:tcPr/>
+                </a:tc>
+                <a:tc>
+                  <a:txBody>
+                    <a:bodyPr/>
+                    <a:lstStyle/>
+                    <a:p>
+                      <a:pPr latinLnBrk="1"/>
+                      <a:endParaRPr lang="ko-KR" altLang="en-US"/>
+                    </a:p>
+                  </a:txBody>
+                  <a:tcPr/>
+                </a:tc>
+                <a:tc>
+                  <a:txBody>
+                    <a:bodyPr/>
+                    <a:lstStyle/>
+                    <a:p>
+                      <a:pPr latinLnBrk="1"/>
+                      <a:endParaRPr lang="ko-KR" altLang="en-US"/>
+                    </a:p>
+                  </a:txBody>
+                  <a:tcPr/>
+                </a:tc>
+                <a:tc>
+                  <a:txBody>
+                    <a:bodyPr/>
+                    <a:lstStyle/>
+                    <a:p>
+                      <a:pPr latinLnBrk="1"/>
+                      <a:endParaRPr lang="ko-KR" altLang="en-US"/>
+                    </a:p>
+                  </a:txBody>
+                  <a:tcPr/>
+                </a:tc>
+                <a:tc>
+                  <a:txBody>
+                    <a:bodyPr/>
+                    <a:lstStyle/>
+                    <a:p>
+                      <a:pPr latinLnBrk="1"/>
+                      <a:endParaRPr lang="ko-KR" altLang="en-US"/>
+                    </a:p>
+                  </a:txBody>
+                  <a:tcPr/>
+                </a:tc>
+                <a:extLst>
+                  <a:ext uri="{0D108BD9-81ED-4DB2-BD59-A6C34878D82A}">
+                    <a16:rowId xmlns:a16="http://schemas.microsoft.com/office/drawing/2014/main" val="385467264"/>
+                  </a:ext>
+                </a:extLst>
+              </a:tr>
+              <a:tr h="677334">
+                <a:tc>
+                  <a:txBody>
+                    <a:bodyPr/>
+                    <a:lstStyle/>
+                    <a:p>
+                      <a:pPr latinLnBrk="1"/>
+                      <a:endParaRPr lang="ko-KR" altLang="en-US"/>
+                    </a:p>
+                  </a:txBody>
+                  <a:tcPr/>
+                </a:tc>
+                <a:tc>
+                  <a:txBody>
+                    <a:bodyPr/>
+                    <a:lstStyle/>
+                    <a:p>
+                      <a:pPr latinLnBrk="1"/>
+                      <a:endParaRPr lang="ko-KR" altLang="en-US"/>
+                    </a:p>
+                  </a:txBody>
+                  <a:tcPr/>
+                </a:tc>
+                <a:tc>
+                  <a:txBody>
+                    <a:bodyPr/>
+                    <a:lstStyle/>
+                    <a:p>
+                      <a:pPr latinLnBrk="1"/>
+                      <a:endParaRPr lang="ko-KR" altLang="en-US"/>
+                    </a:p>
+                  </a:txBody>
+                  <a:tcPr/>
+                </a:tc>
+                <a:tc>
+                  <a:txBody>
+                    <a:bodyPr/>
+                    <a:lstStyle/>
+                    <a:p>
+                      <a:pPr latinLnBrk="1"/>
+                      <a:endParaRPr lang="ko-KR" altLang="en-US"/>
+                    </a:p>
+                  </a:txBody>
+                  <a:tcPr/>
+                </a:tc>
+                <a:tc>
+                  <a:txBody>
+                    <a:bodyPr/>
+                    <a:lstStyle/>
+                    <a:p>
+                      <a:pPr latinLnBrk="1"/>
+                      <a:endParaRPr lang="ko-KR" altLang="en-US"/>
+                    </a:p>
+                  </a:txBody>
+                  <a:tcPr/>
+                </a:tc>
+                <a:tc>
+                  <a:txBody>
+                    <a:bodyPr/>
+                    <a:lstStyle/>
+                    <a:p>
+                      <a:pPr latinLnBrk="1"/>
+                      <a:endParaRPr lang="ko-KR" altLang="en-US"/>
+                    </a:p>
+                  </a:txBody>
+                  <a:tcPr/>
+                </a:tc>
+                <a:tc>
+                  <a:txBody>
+                    <a:bodyPr/>
+                    <a:lstStyle/>
+                    <a:p>
+                      <a:pPr latinLnBrk="1"/>
+                      <a:endParaRPr lang="ko-KR" altLang="en-US"/>
+                    </a:p>
+                  </a:txBody>
+                  <a:tcPr/>
+                </a:tc>
+                <a:tc>
+                  <a:txBody>
+                    <a:bodyPr/>
+                    <a:lstStyle/>
+                    <a:p>
+                      <a:pPr latinLnBrk="1"/>
+                      <a:endParaRPr lang="ko-KR" altLang="en-US"/>
+                    </a:p>
+                  </a:txBody>
+                  <a:tcPr/>
+                </a:tc>
+                <a:extLst>
+                  <a:ext uri="{0D108BD9-81ED-4DB2-BD59-A6C34878D82A}">
+                    <a16:rowId xmlns:a16="http://schemas.microsoft.com/office/drawing/2014/main" val="2581497208"/>
+                  </a:ext>
+                </a:extLst>
+              </a:tr>
+              <a:tr h="677334">
+                <a:tc>
+                  <a:txBody>
+                    <a:bodyPr/>
+                    <a:lstStyle/>
+                    <a:p>
+                      <a:pPr latinLnBrk="1"/>
+                      <a:endParaRPr lang="ko-KR" altLang="en-US"/>
+                    </a:p>
+                  </a:txBody>
+                  <a:tcPr/>
+                </a:tc>
+                <a:tc>
+                  <a:txBody>
+                    <a:bodyPr/>
+                    <a:lstStyle/>
+                    <a:p>
+                      <a:pPr latinLnBrk="1"/>
+                      <a:endParaRPr lang="ko-KR" altLang="en-US"/>
+                    </a:p>
+                  </a:txBody>
+                  <a:tcPr/>
+                </a:tc>
+                <a:tc>
+                  <a:txBody>
+                    <a:bodyPr/>
+                    <a:lstStyle/>
+                    <a:p>
+                      <a:pPr latinLnBrk="1"/>
+                      <a:endParaRPr lang="ko-KR" altLang="en-US"/>
+                    </a:p>
+                  </a:txBody>
+                  <a:tcPr/>
+                </a:tc>
+                <a:tc>
+                  <a:txBody>
+                    <a:bodyPr/>
+                    <a:lstStyle/>
+                    <a:p>
+                      <a:pPr latinLnBrk="1"/>
+                      <a:endParaRPr lang="ko-KR" altLang="en-US"/>
+                    </a:p>
+                  </a:txBody>
+                  <a:tcPr/>
+                </a:tc>
+                <a:tc>
+                  <a:txBody>
+                    <a:bodyPr/>
+                    <a:lstStyle/>
+                    <a:p>
+                      <a:pPr latinLnBrk="1"/>
+                      <a:endParaRPr lang="ko-KR" altLang="en-US"/>
+                    </a:p>
+                  </a:txBody>
+                  <a:tcPr/>
+                </a:tc>
+                <a:tc>
+                  <a:txBody>
+                    <a:bodyPr/>
+                    <a:lstStyle/>
+                    <a:p>
+                      <a:pPr latinLnBrk="1"/>
+                      <a:endParaRPr lang="ko-KR" altLang="en-US"/>
+                    </a:p>
+                  </a:txBody>
+                  <a:tcPr/>
+                </a:tc>
+                <a:tc>
+                  <a:txBody>
+                    <a:bodyPr/>
+                    <a:lstStyle/>
+                    <a:p>
+                      <a:pPr latinLnBrk="1"/>
+                      <a:endParaRPr lang="ko-KR" altLang="en-US"/>
+                    </a:p>
+                  </a:txBody>
+                  <a:tcPr/>
+                </a:tc>
+                <a:tc>
+                  <a:txBody>
+                    <a:bodyPr/>
+                    <a:lstStyle/>
+                    <a:p>
+                      <a:pPr latinLnBrk="1"/>
+                      <a:endParaRPr lang="ko-KR" altLang="en-US"/>
+                    </a:p>
+                  </a:txBody>
+                  <a:tcPr/>
+                </a:tc>
+                <a:extLst>
+                  <a:ext uri="{0D108BD9-81ED-4DB2-BD59-A6C34878D82A}">
+                    <a16:rowId xmlns:a16="http://schemas.microsoft.com/office/drawing/2014/main" val="1206938917"/>
+                  </a:ext>
+                </a:extLst>
+              </a:tr>
+              <a:tr h="677334">
+                <a:tc>
+                  <a:txBody>
+                    <a:bodyPr/>
+                    <a:lstStyle/>
+                    <a:p>
+                      <a:pPr latinLnBrk="1"/>
+                      <a:endParaRPr lang="ko-KR" altLang="en-US"/>
+                    </a:p>
+                  </a:txBody>
+                  <a:tcPr/>
+                </a:tc>
+                <a:tc>
+                  <a:txBody>
+                    <a:bodyPr/>
+                    <a:lstStyle/>
+                    <a:p>
+                      <a:pPr latinLnBrk="1"/>
+                      <a:endParaRPr lang="ko-KR" altLang="en-US"/>
+                    </a:p>
+                  </a:txBody>
+                  <a:tcPr/>
+                </a:tc>
+                <a:tc>
+                  <a:txBody>
+                    <a:bodyPr/>
+                    <a:lstStyle/>
+                    <a:p>
+                      <a:pPr latinLnBrk="1"/>
+                      <a:endParaRPr lang="ko-KR" altLang="en-US"/>
+                    </a:p>
+                  </a:txBody>
+                  <a:tcPr/>
+                </a:tc>
+                <a:tc>
+                  <a:txBody>
+                    <a:bodyPr/>
+                    <a:lstStyle/>
+                    <a:p>
+                      <a:pPr latinLnBrk="1"/>
+                      <a:endParaRPr lang="ko-KR" altLang="en-US"/>
+                    </a:p>
+                  </a:txBody>
+                  <a:tcPr/>
+                </a:tc>
+                <a:tc>
+                  <a:txBody>
+                    <a:bodyPr/>
+                    <a:lstStyle/>
+                    <a:p>
+                      <a:pPr latinLnBrk="1"/>
+                      <a:endParaRPr lang="ko-KR" altLang="en-US"/>
+                    </a:p>
+                  </a:txBody>
+                  <a:tcPr/>
+                </a:tc>
+                <a:tc>
+                  <a:txBody>
+                    <a:bodyPr/>
+                    <a:lstStyle/>
+                    <a:p>
+                      <a:pPr latinLnBrk="1"/>
+                      <a:endParaRPr lang="ko-KR" altLang="en-US"/>
+                    </a:p>
+                  </a:txBody>
+                  <a:tcPr/>
+                </a:tc>
+                <a:tc>
+                  <a:txBody>
+                    <a:bodyPr/>
+                    <a:lstStyle/>
+                    <a:p>
+                      <a:pPr latinLnBrk="1"/>
+                      <a:endParaRPr lang="ko-KR" altLang="en-US"/>
+                    </a:p>
+                  </a:txBody>
+                  <a:tcPr/>
+                </a:tc>
+                <a:tc>
+                  <a:txBody>
+                    <a:bodyPr/>
+                    <a:lstStyle/>
+                    <a:p>
+                      <a:pPr latinLnBrk="1"/>
+                      <a:endParaRPr lang="ko-KR" altLang="en-US"/>
+                    </a:p>
+                  </a:txBody>
+                  <a:tcPr/>
+                </a:tc>
+                <a:extLst>
+                  <a:ext uri="{0D108BD9-81ED-4DB2-BD59-A6C34878D82A}">
+                    <a16:rowId xmlns:a16="http://schemas.microsoft.com/office/drawing/2014/main" val="1073144666"/>
+                  </a:ext>
+                </a:extLst>
+              </a:tr>
+              <a:tr h="677334">
+                <a:tc>
+                  <a:txBody>
+                    <a:bodyPr/>
+                    <a:lstStyle/>
+                    <a:p>
+                      <a:pPr latinLnBrk="1"/>
+                      <a:endParaRPr lang="ko-KR" altLang="en-US"/>
+                    </a:p>
+                  </a:txBody>
+                  <a:tcPr/>
+                </a:tc>
+                <a:tc>
+                  <a:txBody>
+                    <a:bodyPr/>
+                    <a:lstStyle/>
+                    <a:p>
+                      <a:pPr latinLnBrk="1"/>
+                      <a:endParaRPr lang="ko-KR" altLang="en-US"/>
+                    </a:p>
+                  </a:txBody>
+                  <a:tcPr/>
+                </a:tc>
+                <a:tc>
+                  <a:txBody>
+                    <a:bodyPr/>
+                    <a:lstStyle/>
+                    <a:p>
+                      <a:pPr latinLnBrk="1"/>
+                      <a:endParaRPr lang="ko-KR" altLang="en-US" dirty="0"/>
+                    </a:p>
+                  </a:txBody>
+                  <a:tcPr/>
+                </a:tc>
+                <a:tc>
+                  <a:txBody>
+                    <a:bodyPr/>
+                    <a:lstStyle/>
+                    <a:p>
+                      <a:pPr latinLnBrk="1"/>
+                      <a:endParaRPr lang="ko-KR" altLang="en-US"/>
+                    </a:p>
+                  </a:txBody>
+                  <a:tcPr/>
+                </a:tc>
+                <a:tc>
+                  <a:txBody>
+                    <a:bodyPr/>
+                    <a:lstStyle/>
+                    <a:p>
+                      <a:pPr latinLnBrk="1"/>
+                      <a:endParaRPr lang="ko-KR" altLang="en-US"/>
+                    </a:p>
+                  </a:txBody>
+                  <a:tcPr/>
+                </a:tc>
+                <a:tc>
+                  <a:txBody>
+                    <a:bodyPr/>
+                    <a:lstStyle/>
+                    <a:p>
+                      <a:pPr latinLnBrk="1"/>
+                      <a:endParaRPr lang="ko-KR" altLang="en-US"/>
+                    </a:p>
+                  </a:txBody>
+                  <a:tcPr/>
+                </a:tc>
+                <a:tc>
+                  <a:txBody>
+                    <a:bodyPr/>
+                    <a:lstStyle/>
+                    <a:p>
+                      <a:pPr latinLnBrk="1"/>
+                      <a:endParaRPr lang="ko-KR" altLang="en-US"/>
+                    </a:p>
+                  </a:txBody>
+                  <a:tcPr/>
+                </a:tc>
+                <a:tc>
+                  <a:txBody>
+                    <a:bodyPr/>
+                    <a:lstStyle/>
+                    <a:p>
+                      <a:pPr latinLnBrk="1"/>
+                      <a:endParaRPr lang="ko-KR" altLang="en-US" dirty="0"/>
+                    </a:p>
+                  </a:txBody>
+                  <a:tcPr/>
+                </a:tc>
+                <a:extLst>
+                  <a:ext uri="{0D108BD9-81ED-4DB2-BD59-A6C34878D82A}">
+                    <a16:rowId xmlns:a16="http://schemas.microsoft.com/office/drawing/2014/main" val="811683423"/>
+                  </a:ext>
+                </a:extLst>
+              </a:tr>
+              <a:tr h="677334">
+                <a:tc>
+                  <a:txBody>
+                    <a:bodyPr/>
+                    <a:lstStyle/>
+                    <a:p>
+                      <a:pPr latinLnBrk="1"/>
+                      <a:endParaRPr lang="ko-KR" altLang="en-US"/>
+                    </a:p>
+                  </a:txBody>
+                  <a:tcPr/>
+                </a:tc>
+                <a:tc>
+                  <a:txBody>
+                    <a:bodyPr/>
+                    <a:lstStyle/>
+                    <a:p>
+                      <a:pPr latinLnBrk="1"/>
+                      <a:endParaRPr lang="ko-KR" altLang="en-US"/>
+                    </a:p>
+                  </a:txBody>
+                  <a:tcPr/>
+                </a:tc>
+                <a:tc>
+                  <a:txBody>
+                    <a:bodyPr/>
+                    <a:lstStyle/>
+                    <a:p>
+                      <a:pPr latinLnBrk="1"/>
+                      <a:endParaRPr lang="ko-KR" altLang="en-US"/>
+                    </a:p>
+                  </a:txBody>
+                  <a:tcPr/>
+                </a:tc>
+                <a:tc>
+                  <a:txBody>
+                    <a:bodyPr/>
+                    <a:lstStyle/>
+                    <a:p>
+                      <a:pPr latinLnBrk="1"/>
+                      <a:endParaRPr lang="ko-KR" altLang="en-US"/>
+                    </a:p>
+                  </a:txBody>
+                  <a:tcPr/>
+                </a:tc>
+                <a:tc>
+                  <a:txBody>
+                    <a:bodyPr/>
+                    <a:lstStyle/>
+                    <a:p>
+                      <a:pPr latinLnBrk="1"/>
+                      <a:endParaRPr lang="ko-KR" altLang="en-US"/>
+                    </a:p>
+                  </a:txBody>
+                  <a:tcPr/>
+                </a:tc>
+                <a:tc>
+                  <a:txBody>
+                    <a:bodyPr/>
+                    <a:lstStyle/>
+                    <a:p>
+                      <a:pPr latinLnBrk="1"/>
+                      <a:endParaRPr lang="ko-KR" altLang="en-US"/>
+                    </a:p>
+                  </a:txBody>
+                  <a:tcPr/>
+                </a:tc>
+                <a:tc>
+                  <a:txBody>
+                    <a:bodyPr/>
+                    <a:lstStyle/>
+                    <a:p>
+                      <a:pPr latinLnBrk="1"/>
+                      <a:endParaRPr lang="ko-KR" altLang="en-US"/>
+                    </a:p>
+                  </a:txBody>
+                  <a:tcPr/>
+                </a:tc>
+                <a:tc>
+                  <a:txBody>
+                    <a:bodyPr/>
+                    <a:lstStyle/>
+                    <a:p>
+                      <a:pPr latinLnBrk="1"/>
+                      <a:endParaRPr lang="ko-KR" altLang="en-US" dirty="0"/>
+                    </a:p>
+                  </a:txBody>
+                  <a:tcPr/>
+                </a:tc>
+                <a:extLst>
+                  <a:ext uri="{0D108BD9-81ED-4DB2-BD59-A6C34878D82A}">
+                    <a16:rowId xmlns:a16="http://schemas.microsoft.com/office/drawing/2014/main" val="480784195"/>
+                  </a:ext>
+                </a:extLst>
+              </a:tr>
+            </a:tbl>
+          </a:graphicData>
+        </a:graphic>
+      </p:graphicFrame>
+      <p:sp>
+        <p:nvSpPr>
+          <p:cNvPr id="6" name="직사각형 5">
+            <a:extLst>
+              <a:ext uri="{FF2B5EF4-FFF2-40B4-BE49-F238E27FC236}">
+                <a16:creationId xmlns:a16="http://schemas.microsoft.com/office/drawing/2014/main" id="{FEA04D14-FD5C-5E67-086F-0EF06654047C}"/>
+              </a:ext>
+            </a:extLst>
+          </p:cNvPr>
+          <p:cNvSpPr/>
+          <p:nvPr/>
+        </p:nvSpPr>
+        <p:spPr>
+          <a:xfrm>
+            <a:off x="2031999" y="719662"/>
+            <a:ext cx="2333172" cy="5418672"/>
+          </a:xfrm>
+          <a:prstGeom prst="rect">
+            <a:avLst/>
+          </a:prstGeom>
+          <a:noFill/>
+          <a:ln w="92075">
+            <a:solidFill>
+              <a:schemeClr val="accent2"/>
+            </a:solidFill>
+          </a:ln>
+        </p:spPr>
+        <p:style>
+          <a:lnRef idx="2">
+            <a:schemeClr val="accent2"/>
+          </a:lnRef>
+          <a:fillRef idx="1">
+            <a:schemeClr val="lt1"/>
+          </a:fillRef>
+          <a:effectRef idx="0">
+            <a:schemeClr val="accent2"/>
+          </a:effectRef>
+          <a:fontRef idx="minor">
+            <a:schemeClr val="dk1"/>
+          </a:fontRef>
+        </p:style>
+        <p:txBody>
+          <a:bodyPr rtlCol="0" anchor="ctr"/>
+          <a:lstStyle/>
+          <a:p>
+            <a:pPr algn="ctr"/>
+            <a:endParaRPr lang="ko-KR" altLang="en-US"/>
+          </a:p>
+        </p:txBody>
+      </p:sp>
+      <p:sp>
+        <p:nvSpPr>
+          <p:cNvPr id="7" name="직사각형 6">
+            <a:extLst>
+              <a:ext uri="{FF2B5EF4-FFF2-40B4-BE49-F238E27FC236}">
+                <a16:creationId xmlns:a16="http://schemas.microsoft.com/office/drawing/2014/main" id="{1C8A4C8A-8F46-D03E-8582-7BE0BB2302AA}"/>
+              </a:ext>
+            </a:extLst>
+          </p:cNvPr>
+          <p:cNvSpPr/>
+          <p:nvPr/>
+        </p:nvSpPr>
+        <p:spPr>
+          <a:xfrm rot="5400000">
+            <a:off x="5363932" y="-601435"/>
+            <a:ext cx="2755902" cy="9419768"/>
+          </a:xfrm>
+          <a:prstGeom prst="rect">
+            <a:avLst/>
+          </a:prstGeom>
+          <a:noFill/>
+          <a:ln w="92075">
+            <a:solidFill>
+              <a:schemeClr val="accent6"/>
+            </a:solidFill>
+          </a:ln>
+        </p:spPr>
+        <p:style>
+          <a:lnRef idx="2">
+            <a:schemeClr val="accent2"/>
+          </a:lnRef>
+          <a:fillRef idx="1">
+            <a:schemeClr val="lt1"/>
+          </a:fillRef>
+          <a:effectRef idx="0">
+            <a:schemeClr val="accent2"/>
+          </a:effectRef>
+          <a:fontRef idx="minor">
+            <a:schemeClr val="dk1"/>
+          </a:fontRef>
+        </p:style>
+        <p:txBody>
+          <a:bodyPr rtlCol="0" anchor="ctr"/>
+          <a:lstStyle/>
+          <a:p>
+            <a:pPr algn="ctr"/>
+            <a:endParaRPr lang="ko-KR" altLang="en-US"/>
+          </a:p>
+        </p:txBody>
+      </p:sp>
+      <p:sp>
+        <p:nvSpPr>
+          <p:cNvPr id="8" name="TextBox 7">
+            <a:extLst>
+              <a:ext uri="{FF2B5EF4-FFF2-40B4-BE49-F238E27FC236}">
+                <a16:creationId xmlns:a16="http://schemas.microsoft.com/office/drawing/2014/main" id="{A46A0128-73D1-C21F-064F-1508A19B716A}"/>
+              </a:ext>
+            </a:extLst>
+          </p:cNvPr>
+          <p:cNvSpPr txBox="1"/>
+          <p:nvPr/>
+        </p:nvSpPr>
+        <p:spPr>
+          <a:xfrm>
+            <a:off x="518884" y="165662"/>
+            <a:ext cx="1513115" cy="369332"/>
+          </a:xfrm>
+          <a:prstGeom prst="rect">
+            <a:avLst/>
+          </a:prstGeom>
+          <a:noFill/>
+        </p:spPr>
+        <p:txBody>
+          <a:bodyPr wrap="square" rtlCol="0">
+            <a:spAutoFit/>
+          </a:bodyPr>
+          <a:lstStyle/>
+          <a:p>
+            <a:r>
+              <a:rPr lang="ko-KR" altLang="en-US" b="1" dirty="0" err="1">
+                <a:solidFill>
+                  <a:schemeClr val="accent2"/>
+                </a:solidFill>
+                <a:sym typeface="Wingdings" panose="05000000000000000000" pitchFamily="2" charset="2"/>
+              </a:rPr>
+              <a:t>프로젝션</a:t>
+            </a:r>
+            <a:endParaRPr lang="ko-KR" altLang="en-US" b="1" dirty="0">
+              <a:solidFill>
+                <a:schemeClr val="accent2"/>
+              </a:solidFill>
+            </a:endParaRPr>
+          </a:p>
+        </p:txBody>
+      </p:sp>
+      <p:sp>
+        <p:nvSpPr>
+          <p:cNvPr id="9" name="TextBox 8">
+            <a:extLst>
+              <a:ext uri="{FF2B5EF4-FFF2-40B4-BE49-F238E27FC236}">
+                <a16:creationId xmlns:a16="http://schemas.microsoft.com/office/drawing/2014/main" id="{0D25A7AF-7BED-8C34-21AD-893CB9301E19}"/>
+              </a:ext>
+            </a:extLst>
+          </p:cNvPr>
+          <p:cNvSpPr txBox="1"/>
+          <p:nvPr/>
+        </p:nvSpPr>
+        <p:spPr>
+          <a:xfrm>
+            <a:off x="152399" y="3739117"/>
+            <a:ext cx="1513115" cy="369332"/>
+          </a:xfrm>
+          <a:prstGeom prst="rect">
+            <a:avLst/>
+          </a:prstGeom>
+          <a:noFill/>
+        </p:spPr>
+        <p:txBody>
+          <a:bodyPr wrap="square" rtlCol="0">
+            <a:spAutoFit/>
+          </a:bodyPr>
+          <a:lstStyle/>
+          <a:p>
+            <a:r>
+              <a:rPr lang="ko-KR" altLang="en-US" b="1" dirty="0" err="1">
+                <a:solidFill>
+                  <a:schemeClr val="accent6"/>
+                </a:solidFill>
+              </a:rPr>
+              <a:t>셀렉션</a:t>
+            </a:r>
+            <a:endParaRPr lang="ko-KR" altLang="en-US" b="1" dirty="0">
+              <a:solidFill>
+                <a:schemeClr val="accent6"/>
+              </a:solidFill>
+            </a:endParaRPr>
+          </a:p>
+        </p:txBody>
+      </p:sp>
+      <p:sp>
+        <p:nvSpPr>
+          <p:cNvPr id="10" name="화살표: 오른쪽 9">
+            <a:extLst>
+              <a:ext uri="{FF2B5EF4-FFF2-40B4-BE49-F238E27FC236}">
+                <a16:creationId xmlns:a16="http://schemas.microsoft.com/office/drawing/2014/main" id="{D01EFB0F-C334-EC2C-3658-D58BC55B14DC}"/>
+              </a:ext>
+            </a:extLst>
+          </p:cNvPr>
+          <p:cNvSpPr/>
+          <p:nvPr/>
+        </p:nvSpPr>
+        <p:spPr>
+          <a:xfrm>
+            <a:off x="214086" y="3244332"/>
+            <a:ext cx="1654624" cy="369332"/>
+          </a:xfrm>
+          <a:prstGeom prst="rightArrow">
+            <a:avLst/>
+          </a:prstGeom>
+          <a:solidFill>
+            <a:schemeClr val="accent6"/>
+          </a:solidFill>
+        </p:spPr>
+        <p:style>
+          <a:lnRef idx="2">
+            <a:schemeClr val="accent1">
+              <a:shade val="50000"/>
+            </a:schemeClr>
+          </a:lnRef>
+          <a:fillRef idx="1">
+            <a:schemeClr val="accent1"/>
+          </a:fillRef>
+          <a:effectRef idx="0">
+            <a:schemeClr val="accent1"/>
+          </a:effectRef>
+          <a:fontRef idx="minor">
+            <a:schemeClr val="lt1"/>
+          </a:fontRef>
+        </p:style>
+        <p:txBody>
+          <a:bodyPr rtlCol="0" anchor="ctr"/>
+          <a:lstStyle/>
+          <a:p>
+            <a:pPr algn="ctr"/>
+            <a:endParaRPr lang="ko-KR" altLang="en-US" dirty="0"/>
+          </a:p>
+        </p:txBody>
+      </p:sp>
+      <p:sp>
+        <p:nvSpPr>
+          <p:cNvPr id="11" name="화살표: 아래쪽 10">
+            <a:extLst>
+              <a:ext uri="{FF2B5EF4-FFF2-40B4-BE49-F238E27FC236}">
+                <a16:creationId xmlns:a16="http://schemas.microsoft.com/office/drawing/2014/main" id="{AA0D8889-F241-5EA9-968E-D1A8989E15FD}"/>
+              </a:ext>
+            </a:extLst>
+          </p:cNvPr>
+          <p:cNvSpPr/>
+          <p:nvPr/>
+        </p:nvSpPr>
+        <p:spPr>
+          <a:xfrm>
+            <a:off x="807355" y="719662"/>
+            <a:ext cx="468086" cy="1300755"/>
+          </a:xfrm>
+          <a:prstGeom prst="downArrow">
+            <a:avLst/>
+          </a:prstGeom>
+          <a:solidFill>
+            <a:schemeClr val="accent2"/>
+          </a:solidFill>
+          <a:ln>
+            <a:solidFill>
+              <a:schemeClr val="accent2"/>
+            </a:solidFill>
+          </a:ln>
+        </p:spPr>
+        <p:style>
+          <a:lnRef idx="2">
+            <a:schemeClr val="accent1">
+              <a:shade val="50000"/>
+            </a:schemeClr>
+          </a:lnRef>
+          <a:fillRef idx="1">
+            <a:schemeClr val="accent1"/>
+          </a:fillRef>
+          <a:effectRef idx="0">
+            <a:schemeClr val="accent1"/>
+          </a:effectRef>
+          <a:fontRef idx="minor">
+            <a:schemeClr val="lt1"/>
+          </a:fontRef>
+        </p:style>
+        <p:txBody>
+          <a:bodyPr rtlCol="0" anchor="ctr"/>
+          <a:lstStyle/>
+          <a:p>
+            <a:pPr algn="ctr"/>
+            <a:endParaRPr lang="ko-KR" altLang="en-US"/>
+          </a:p>
+        </p:txBody>
+      </p:sp>
+    </p:spTree>
+    <p:extLst>
+      <p:ext uri="{BB962C8B-B14F-4D97-AF65-F5344CB8AC3E}">
+        <p14:creationId xmlns:p14="http://schemas.microsoft.com/office/powerpoint/2010/main" val="557527187"/>
+      </p:ext>
+    </p:extLst>
+  </p:cSld>
+  <p:clrMapOvr>
+    <a:masterClrMapping/>
+  </p:clrMapOvr>
+</p:sld>
+</file>
+
 <file path=ppt/theme/theme1.xml><?xml version="1.0" encoding="utf-8"?>
 <a:theme xmlns:a="http://schemas.openxmlformats.org/drawingml/2006/main" name="Office 테마">
   <a:themeElements>
